--- a/Documents/Presentation.pptx
+++ b/Documents/Presentation.pptx
@@ -7,6 +7,10 @@
   <p:sldIdLst>
     <p:sldId id="256" r:id="rId2"/>
     <p:sldId id="257" r:id="rId3"/>
+    <p:sldId id="258" r:id="rId4"/>
+    <p:sldId id="259" r:id="rId5"/>
+    <p:sldId id="260" r:id="rId6"/>
+    <p:sldId id="261" r:id="rId7"/>
   </p:sldIdLst>
   <p:sldSz cx="12192000" cy="6858000"/>
   <p:notesSz cx="6858000" cy="9144000"/>
@@ -105,6 +109,11 @@
       </a:defRPr>
     </a:lvl9pPr>
   </p:defaultTextStyle>
+  <p:extLst>
+    <p:ext uri="{EFAFB233-063F-42B5-8137-9DF3F51BA10A}">
+      <p15:sldGuideLst xmlns:p15="http://schemas.microsoft.com/office/powerpoint/2012/main"/>
+    </p:ext>
+  </p:extLst>
 </p:presentation>
 </file>
 
@@ -257,7 +266,7 @@
           <a:p>
             <a:fld id="{306F77B6-538F-48DE-86B2-3CA036B7D223}" type="datetimeFigureOut">
               <a:rPr lang="en-AU" smtClean="0"/>
-              <a:t>16/11/2021</a:t>
+              <a:t>17/11/2021</a:t>
             </a:fld>
             <a:endParaRPr lang="en-AU"/>
           </a:p>
@@ -457,7 +466,7 @@
           <a:p>
             <a:fld id="{306F77B6-538F-48DE-86B2-3CA036B7D223}" type="datetimeFigureOut">
               <a:rPr lang="en-AU" smtClean="0"/>
-              <a:t>16/11/2021</a:t>
+              <a:t>17/11/2021</a:t>
             </a:fld>
             <a:endParaRPr lang="en-AU"/>
           </a:p>
@@ -667,7 +676,7 @@
           <a:p>
             <a:fld id="{306F77B6-538F-48DE-86B2-3CA036B7D223}" type="datetimeFigureOut">
               <a:rPr lang="en-AU" smtClean="0"/>
-              <a:t>16/11/2021</a:t>
+              <a:t>17/11/2021</a:t>
             </a:fld>
             <a:endParaRPr lang="en-AU"/>
           </a:p>
@@ -867,7 +876,7 @@
           <a:p>
             <a:fld id="{306F77B6-538F-48DE-86B2-3CA036B7D223}" type="datetimeFigureOut">
               <a:rPr lang="en-AU" smtClean="0"/>
-              <a:t>16/11/2021</a:t>
+              <a:t>17/11/2021</a:t>
             </a:fld>
             <a:endParaRPr lang="en-AU"/>
           </a:p>
@@ -1143,7 +1152,7 @@
           <a:p>
             <a:fld id="{306F77B6-538F-48DE-86B2-3CA036B7D223}" type="datetimeFigureOut">
               <a:rPr lang="en-AU" smtClean="0"/>
-              <a:t>16/11/2021</a:t>
+              <a:t>17/11/2021</a:t>
             </a:fld>
             <a:endParaRPr lang="en-AU"/>
           </a:p>
@@ -1411,7 +1420,7 @@
           <a:p>
             <a:fld id="{306F77B6-538F-48DE-86B2-3CA036B7D223}" type="datetimeFigureOut">
               <a:rPr lang="en-AU" smtClean="0"/>
-              <a:t>16/11/2021</a:t>
+              <a:t>17/11/2021</a:t>
             </a:fld>
             <a:endParaRPr lang="en-AU"/>
           </a:p>
@@ -1826,7 +1835,7 @@
           <a:p>
             <a:fld id="{306F77B6-538F-48DE-86B2-3CA036B7D223}" type="datetimeFigureOut">
               <a:rPr lang="en-AU" smtClean="0"/>
-              <a:t>16/11/2021</a:t>
+              <a:t>17/11/2021</a:t>
             </a:fld>
             <a:endParaRPr lang="en-AU"/>
           </a:p>
@@ -1968,7 +1977,7 @@
           <a:p>
             <a:fld id="{306F77B6-538F-48DE-86B2-3CA036B7D223}" type="datetimeFigureOut">
               <a:rPr lang="en-AU" smtClean="0"/>
-              <a:t>16/11/2021</a:t>
+              <a:t>17/11/2021</a:t>
             </a:fld>
             <a:endParaRPr lang="en-AU"/>
           </a:p>
@@ -2081,7 +2090,7 @@
           <a:p>
             <a:fld id="{306F77B6-538F-48DE-86B2-3CA036B7D223}" type="datetimeFigureOut">
               <a:rPr lang="en-AU" smtClean="0"/>
-              <a:t>16/11/2021</a:t>
+              <a:t>17/11/2021</a:t>
             </a:fld>
             <a:endParaRPr lang="en-AU"/>
           </a:p>
@@ -2394,7 +2403,7 @@
           <a:p>
             <a:fld id="{306F77B6-538F-48DE-86B2-3CA036B7D223}" type="datetimeFigureOut">
               <a:rPr lang="en-AU" smtClean="0"/>
-              <a:t>16/11/2021</a:t>
+              <a:t>17/11/2021</a:t>
             </a:fld>
             <a:endParaRPr lang="en-AU"/>
           </a:p>
@@ -2683,7 +2692,7 @@
           <a:p>
             <a:fld id="{306F77B6-538F-48DE-86B2-3CA036B7D223}" type="datetimeFigureOut">
               <a:rPr lang="en-AU" smtClean="0"/>
-              <a:t>16/11/2021</a:t>
+              <a:t>17/11/2021</a:t>
             </a:fld>
             <a:endParaRPr lang="en-AU"/>
           </a:p>
@@ -2926,7 +2935,7 @@
           <a:p>
             <a:fld id="{306F77B6-538F-48DE-86B2-3CA036B7D223}" type="datetimeFigureOut">
               <a:rPr lang="en-AU" smtClean="0"/>
-              <a:t>16/11/2021</a:t>
+              <a:t>17/11/2021</a:t>
             </a:fld>
             <a:endParaRPr lang="en-AU"/>
           </a:p>
@@ -3569,10 +3578,747 @@
           </a:p>
         </p:txBody>
       </p:sp>
+      <p:sp>
+        <p:nvSpPr>
+          <p:cNvPr id="2" name="TextBox 1">
+            <a:extLst>
+              <a:ext uri="{FF2B5EF4-FFF2-40B4-BE49-F238E27FC236}">
+                <a16:creationId xmlns:a16="http://schemas.microsoft.com/office/drawing/2014/main" id="{68B1350D-C734-44E6-B7EA-D5B253646583}"/>
+              </a:ext>
+            </a:extLst>
+          </p:cNvPr>
+          <p:cNvSpPr txBox="1"/>
+          <p:nvPr/>
+        </p:nvSpPr>
+        <p:spPr>
+          <a:xfrm>
+            <a:off x="3272790" y="46852"/>
+            <a:ext cx="5646420" cy="923330"/>
+          </a:xfrm>
+          <a:prstGeom prst="rect">
+            <a:avLst/>
+          </a:prstGeom>
+          <a:noFill/>
+        </p:spPr>
+        <p:txBody>
+          <a:bodyPr wrap="square" rtlCol="0">
+            <a:spAutoFit/>
+          </a:bodyPr>
+          <a:lstStyle/>
+          <a:p>
+            <a:pPr algn="ctr"/>
+            <a:r>
+              <a:rPr lang="en-AU" sz="5400" b="1" dirty="0">
+                <a:solidFill>
+                  <a:schemeClr val="bg1"/>
+                </a:solidFill>
+                <a:latin typeface="Corbel" panose="020B0503020204020204" pitchFamily="34" charset="0"/>
+              </a:rPr>
+              <a:t>BUTTON LAYOUT</a:t>
+            </a:r>
+          </a:p>
+        </p:txBody>
+      </p:sp>
     </p:spTree>
     <p:extLst>
       <p:ext uri="{BB962C8B-B14F-4D97-AF65-F5344CB8AC3E}">
         <p14:creationId xmlns:p14="http://schemas.microsoft.com/office/powerpoint/2010/main" val="4083306316"/>
+      </p:ext>
+    </p:extLst>
+  </p:cSld>
+  <p:clrMapOvr>
+    <a:masterClrMapping/>
+  </p:clrMapOvr>
+</p:sld>
+</file>
+
+<file path=ppt/slides/slide3.xml><?xml version="1.0" encoding="utf-8"?>
+<p:sld xmlns:a="http://schemas.openxmlformats.org/drawingml/2006/main" xmlns:r="http://schemas.openxmlformats.org/officeDocument/2006/relationships" xmlns:p="http://schemas.openxmlformats.org/presentationml/2006/main">
+  <p:cSld>
+    <p:bg>
+      <p:bgPr>
+        <a:blipFill dpi="0" rotWithShape="1">
+          <a:blip r:embed="rId2">
+            <a:lum/>
+          </a:blip>
+          <a:srcRect/>
+          <a:stretch>
+            <a:fillRect/>
+          </a:stretch>
+        </a:blipFill>
+        <a:effectLst/>
+      </p:bgPr>
+    </p:bg>
+    <p:spTree>
+      <p:nvGrpSpPr>
+        <p:cNvPr id="1" name=""/>
+        <p:cNvGrpSpPr/>
+        <p:nvPr/>
+      </p:nvGrpSpPr>
+      <p:grpSpPr>
+        <a:xfrm>
+          <a:off x="0" y="0"/>
+          <a:ext cx="0" cy="0"/>
+          <a:chOff x="0" y="0"/>
+          <a:chExt cx="0" cy="0"/>
+        </a:xfrm>
+      </p:grpSpPr>
+      <p:pic>
+        <p:nvPicPr>
+          <p:cNvPr id="4" name="Picture 3">
+            <a:extLst>
+              <a:ext uri="{FF2B5EF4-FFF2-40B4-BE49-F238E27FC236}">
+                <a16:creationId xmlns:a16="http://schemas.microsoft.com/office/drawing/2014/main" id="{4B3E9E0F-9FE3-4CFC-A2DD-77E46C8808C5}"/>
+              </a:ext>
+            </a:extLst>
+          </p:cNvPr>
+          <p:cNvPicPr>
+            <a:picLocks noChangeAspect="1"/>
+          </p:cNvPicPr>
+          <p:nvPr/>
+        </p:nvPicPr>
+        <p:blipFill>
+          <a:blip r:embed="rId3">
+            <a:extLst>
+              <a:ext uri="{28A0092B-C50C-407E-A947-70E740481C1C}">
+                <a14:useLocalDpi xmlns:a14="http://schemas.microsoft.com/office/drawing/2010/main" val="0"/>
+              </a:ext>
+            </a:extLst>
+          </a:blip>
+          <a:stretch>
+            <a:fillRect/>
+          </a:stretch>
+        </p:blipFill>
+        <p:spPr>
+          <a:xfrm>
+            <a:off x="160629" y="108680"/>
+            <a:ext cx="450000" cy="450000"/>
+          </a:xfrm>
+          <a:prstGeom prst="rect">
+            <a:avLst/>
+          </a:prstGeom>
+        </p:spPr>
+      </p:pic>
+      <p:sp>
+        <p:nvSpPr>
+          <p:cNvPr id="5" name="TextBox 4">
+            <a:extLst>
+              <a:ext uri="{FF2B5EF4-FFF2-40B4-BE49-F238E27FC236}">
+                <a16:creationId xmlns:a16="http://schemas.microsoft.com/office/drawing/2014/main" id="{47089C31-9C62-4796-8244-F36280269933}"/>
+              </a:ext>
+            </a:extLst>
+          </p:cNvPr>
+          <p:cNvSpPr txBox="1"/>
+          <p:nvPr/>
+        </p:nvSpPr>
+        <p:spPr>
+          <a:xfrm>
+            <a:off x="10414000" y="108680"/>
+            <a:ext cx="1778000" cy="276999"/>
+          </a:xfrm>
+          <a:prstGeom prst="rect">
+            <a:avLst/>
+          </a:prstGeom>
+          <a:noFill/>
+        </p:spPr>
+        <p:txBody>
+          <a:bodyPr wrap="square" rtlCol="0">
+            <a:spAutoFit/>
+          </a:bodyPr>
+          <a:lstStyle/>
+          <a:p>
+            <a:r>
+              <a:rPr lang="en-AU" sz="1200" dirty="0">
+                <a:solidFill>
+                  <a:schemeClr val="bg1">
+                    <a:lumMod val="85000"/>
+                  </a:schemeClr>
+                </a:solidFill>
+                <a:effectLst/>
+                <a:latin typeface="Cooper Std Black" panose="0208090304030B020404" pitchFamily="18" charset="0"/>
+                <a:ea typeface="Calibri" panose="020F0502020204030204" pitchFamily="34" charset="0"/>
+                <a:cs typeface="Times New Roman" panose="02020603050405020304" pitchFamily="18" charset="0"/>
+              </a:rPr>
+              <a:t>Acme Systems Pty</a:t>
+            </a:r>
+            <a:endParaRPr lang="en-AU" sz="1200" dirty="0">
+              <a:solidFill>
+                <a:schemeClr val="bg1">
+                  <a:lumMod val="85000"/>
+                </a:schemeClr>
+              </a:solidFill>
+              <a:latin typeface="Cooper Std Black" panose="0208090304030B020404" pitchFamily="18" charset="0"/>
+            </a:endParaRPr>
+          </a:p>
+        </p:txBody>
+      </p:sp>
+      <p:sp>
+        <p:nvSpPr>
+          <p:cNvPr id="7" name="TextBox 6">
+            <a:extLst>
+              <a:ext uri="{FF2B5EF4-FFF2-40B4-BE49-F238E27FC236}">
+                <a16:creationId xmlns:a16="http://schemas.microsoft.com/office/drawing/2014/main" id="{D61DB9B8-7E06-4118-91A9-935B6E6A9134}"/>
+              </a:ext>
+            </a:extLst>
+          </p:cNvPr>
+          <p:cNvSpPr txBox="1"/>
+          <p:nvPr/>
+        </p:nvSpPr>
+        <p:spPr>
+          <a:xfrm>
+            <a:off x="3272790" y="46852"/>
+            <a:ext cx="5646420" cy="923330"/>
+          </a:xfrm>
+          <a:prstGeom prst="rect">
+            <a:avLst/>
+          </a:prstGeom>
+          <a:noFill/>
+        </p:spPr>
+        <p:txBody>
+          <a:bodyPr wrap="square" rtlCol="0">
+            <a:spAutoFit/>
+          </a:bodyPr>
+          <a:lstStyle/>
+          <a:p>
+            <a:pPr algn="ctr"/>
+            <a:r>
+              <a:rPr lang="en-AU" sz="5400" b="1" dirty="0">
+                <a:solidFill>
+                  <a:schemeClr val="bg1"/>
+                </a:solidFill>
+                <a:latin typeface="Corbel" panose="020B0503020204020204" pitchFamily="34" charset="0"/>
+              </a:rPr>
+              <a:t>SAVE AND LOAD</a:t>
+            </a:r>
+          </a:p>
+        </p:txBody>
+      </p:sp>
+    </p:spTree>
+    <p:extLst>
+      <p:ext uri="{BB962C8B-B14F-4D97-AF65-F5344CB8AC3E}">
+        <p14:creationId xmlns:p14="http://schemas.microsoft.com/office/powerpoint/2010/main" val="1304619362"/>
+      </p:ext>
+    </p:extLst>
+  </p:cSld>
+  <p:clrMapOvr>
+    <a:masterClrMapping/>
+  </p:clrMapOvr>
+</p:sld>
+</file>
+
+<file path=ppt/slides/slide4.xml><?xml version="1.0" encoding="utf-8"?>
+<p:sld xmlns:a="http://schemas.openxmlformats.org/drawingml/2006/main" xmlns:r="http://schemas.openxmlformats.org/officeDocument/2006/relationships" xmlns:p="http://schemas.openxmlformats.org/presentationml/2006/main">
+  <p:cSld>
+    <p:bg>
+      <p:bgPr>
+        <a:blipFill dpi="0" rotWithShape="1">
+          <a:blip r:embed="rId2">
+            <a:lum/>
+          </a:blip>
+          <a:srcRect/>
+          <a:stretch>
+            <a:fillRect/>
+          </a:stretch>
+        </a:blipFill>
+        <a:effectLst/>
+      </p:bgPr>
+    </p:bg>
+    <p:spTree>
+      <p:nvGrpSpPr>
+        <p:cNvPr id="1" name=""/>
+        <p:cNvGrpSpPr/>
+        <p:nvPr/>
+      </p:nvGrpSpPr>
+      <p:grpSpPr>
+        <a:xfrm>
+          <a:off x="0" y="0"/>
+          <a:ext cx="0" cy="0"/>
+          <a:chOff x="0" y="0"/>
+          <a:chExt cx="0" cy="0"/>
+        </a:xfrm>
+      </p:grpSpPr>
+      <p:pic>
+        <p:nvPicPr>
+          <p:cNvPr id="4" name="Picture 3">
+            <a:extLst>
+              <a:ext uri="{FF2B5EF4-FFF2-40B4-BE49-F238E27FC236}">
+                <a16:creationId xmlns:a16="http://schemas.microsoft.com/office/drawing/2014/main" id="{4B3E9E0F-9FE3-4CFC-A2DD-77E46C8808C5}"/>
+              </a:ext>
+            </a:extLst>
+          </p:cNvPr>
+          <p:cNvPicPr>
+            <a:picLocks noChangeAspect="1"/>
+          </p:cNvPicPr>
+          <p:nvPr/>
+        </p:nvPicPr>
+        <p:blipFill>
+          <a:blip r:embed="rId3">
+            <a:extLst>
+              <a:ext uri="{28A0092B-C50C-407E-A947-70E740481C1C}">
+                <a14:useLocalDpi xmlns:a14="http://schemas.microsoft.com/office/drawing/2010/main" val="0"/>
+              </a:ext>
+            </a:extLst>
+          </a:blip>
+          <a:stretch>
+            <a:fillRect/>
+          </a:stretch>
+        </p:blipFill>
+        <p:spPr>
+          <a:xfrm>
+            <a:off x="160629" y="108680"/>
+            <a:ext cx="450000" cy="450000"/>
+          </a:xfrm>
+          <a:prstGeom prst="rect">
+            <a:avLst/>
+          </a:prstGeom>
+        </p:spPr>
+      </p:pic>
+      <p:sp>
+        <p:nvSpPr>
+          <p:cNvPr id="5" name="TextBox 4">
+            <a:extLst>
+              <a:ext uri="{FF2B5EF4-FFF2-40B4-BE49-F238E27FC236}">
+                <a16:creationId xmlns:a16="http://schemas.microsoft.com/office/drawing/2014/main" id="{47089C31-9C62-4796-8244-F36280269933}"/>
+              </a:ext>
+            </a:extLst>
+          </p:cNvPr>
+          <p:cNvSpPr txBox="1"/>
+          <p:nvPr/>
+        </p:nvSpPr>
+        <p:spPr>
+          <a:xfrm>
+            <a:off x="10414000" y="108680"/>
+            <a:ext cx="1778000" cy="276999"/>
+          </a:xfrm>
+          <a:prstGeom prst="rect">
+            <a:avLst/>
+          </a:prstGeom>
+          <a:noFill/>
+        </p:spPr>
+        <p:txBody>
+          <a:bodyPr wrap="square" rtlCol="0">
+            <a:spAutoFit/>
+          </a:bodyPr>
+          <a:lstStyle/>
+          <a:p>
+            <a:r>
+              <a:rPr lang="en-AU" sz="1200" dirty="0">
+                <a:solidFill>
+                  <a:schemeClr val="bg1">
+                    <a:lumMod val="85000"/>
+                  </a:schemeClr>
+                </a:solidFill>
+                <a:effectLst/>
+                <a:latin typeface="Cooper Std Black" panose="0208090304030B020404" pitchFamily="18" charset="0"/>
+                <a:ea typeface="Calibri" panose="020F0502020204030204" pitchFamily="34" charset="0"/>
+                <a:cs typeface="Times New Roman" panose="02020603050405020304" pitchFamily="18" charset="0"/>
+              </a:rPr>
+              <a:t>Acme Systems Pty</a:t>
+            </a:r>
+            <a:endParaRPr lang="en-AU" sz="1200" dirty="0">
+              <a:solidFill>
+                <a:schemeClr val="bg1">
+                  <a:lumMod val="85000"/>
+                </a:schemeClr>
+              </a:solidFill>
+              <a:latin typeface="Cooper Std Black" panose="0208090304030B020404" pitchFamily="18" charset="0"/>
+            </a:endParaRPr>
+          </a:p>
+        </p:txBody>
+      </p:sp>
+      <p:sp>
+        <p:nvSpPr>
+          <p:cNvPr id="6" name="TextBox 5">
+            <a:extLst>
+              <a:ext uri="{FF2B5EF4-FFF2-40B4-BE49-F238E27FC236}">
+                <a16:creationId xmlns:a16="http://schemas.microsoft.com/office/drawing/2014/main" id="{97EB7FFA-1305-4129-9A64-CD114875D69C}"/>
+              </a:ext>
+            </a:extLst>
+          </p:cNvPr>
+          <p:cNvSpPr txBox="1"/>
+          <p:nvPr/>
+        </p:nvSpPr>
+        <p:spPr>
+          <a:xfrm>
+            <a:off x="1798320" y="12562"/>
+            <a:ext cx="8595360" cy="923330"/>
+          </a:xfrm>
+          <a:prstGeom prst="rect">
+            <a:avLst/>
+          </a:prstGeom>
+          <a:noFill/>
+        </p:spPr>
+        <p:txBody>
+          <a:bodyPr wrap="square" rtlCol="0">
+            <a:spAutoFit/>
+          </a:bodyPr>
+          <a:lstStyle/>
+          <a:p>
+            <a:pPr algn="ctr"/>
+            <a:r>
+              <a:rPr lang="en-AU" sz="5400" b="1" dirty="0">
+                <a:solidFill>
+                  <a:schemeClr val="bg1"/>
+                </a:solidFill>
+                <a:latin typeface="Corbel" panose="020B0503020204020204" pitchFamily="34" charset="0"/>
+              </a:rPr>
+              <a:t>UI FEATURES AND LAYOUT</a:t>
+            </a:r>
+          </a:p>
+        </p:txBody>
+      </p:sp>
+    </p:spTree>
+    <p:extLst>
+      <p:ext uri="{BB962C8B-B14F-4D97-AF65-F5344CB8AC3E}">
+        <p14:creationId xmlns:p14="http://schemas.microsoft.com/office/powerpoint/2010/main" val="4141875342"/>
+      </p:ext>
+    </p:extLst>
+  </p:cSld>
+  <p:clrMapOvr>
+    <a:masterClrMapping/>
+  </p:clrMapOvr>
+</p:sld>
+</file>
+
+<file path=ppt/slides/slide5.xml><?xml version="1.0" encoding="utf-8"?>
+<p:sld xmlns:a="http://schemas.openxmlformats.org/drawingml/2006/main" xmlns:r="http://schemas.openxmlformats.org/officeDocument/2006/relationships" xmlns:p="http://schemas.openxmlformats.org/presentationml/2006/main">
+  <p:cSld>
+    <p:bg>
+      <p:bgPr>
+        <a:blipFill dpi="0" rotWithShape="1">
+          <a:blip r:embed="rId2">
+            <a:lum/>
+          </a:blip>
+          <a:srcRect/>
+          <a:stretch>
+            <a:fillRect/>
+          </a:stretch>
+        </a:blipFill>
+        <a:effectLst/>
+      </p:bgPr>
+    </p:bg>
+    <p:spTree>
+      <p:nvGrpSpPr>
+        <p:cNvPr id="1" name=""/>
+        <p:cNvGrpSpPr/>
+        <p:nvPr/>
+      </p:nvGrpSpPr>
+      <p:grpSpPr>
+        <a:xfrm>
+          <a:off x="0" y="0"/>
+          <a:ext cx="0" cy="0"/>
+          <a:chOff x="0" y="0"/>
+          <a:chExt cx="0" cy="0"/>
+        </a:xfrm>
+      </p:grpSpPr>
+      <p:pic>
+        <p:nvPicPr>
+          <p:cNvPr id="4" name="Picture 3">
+            <a:extLst>
+              <a:ext uri="{FF2B5EF4-FFF2-40B4-BE49-F238E27FC236}">
+                <a16:creationId xmlns:a16="http://schemas.microsoft.com/office/drawing/2014/main" id="{4B3E9E0F-9FE3-4CFC-A2DD-77E46C8808C5}"/>
+              </a:ext>
+            </a:extLst>
+          </p:cNvPr>
+          <p:cNvPicPr>
+            <a:picLocks noChangeAspect="1"/>
+          </p:cNvPicPr>
+          <p:nvPr/>
+        </p:nvPicPr>
+        <p:blipFill>
+          <a:blip r:embed="rId3">
+            <a:extLst>
+              <a:ext uri="{28A0092B-C50C-407E-A947-70E740481C1C}">
+                <a14:useLocalDpi xmlns:a14="http://schemas.microsoft.com/office/drawing/2010/main" val="0"/>
+              </a:ext>
+            </a:extLst>
+          </a:blip>
+          <a:stretch>
+            <a:fillRect/>
+          </a:stretch>
+        </p:blipFill>
+        <p:spPr>
+          <a:xfrm>
+            <a:off x="160629" y="108680"/>
+            <a:ext cx="450000" cy="450000"/>
+          </a:xfrm>
+          <a:prstGeom prst="rect">
+            <a:avLst/>
+          </a:prstGeom>
+        </p:spPr>
+      </p:pic>
+      <p:sp>
+        <p:nvSpPr>
+          <p:cNvPr id="5" name="TextBox 4">
+            <a:extLst>
+              <a:ext uri="{FF2B5EF4-FFF2-40B4-BE49-F238E27FC236}">
+                <a16:creationId xmlns:a16="http://schemas.microsoft.com/office/drawing/2014/main" id="{47089C31-9C62-4796-8244-F36280269933}"/>
+              </a:ext>
+            </a:extLst>
+          </p:cNvPr>
+          <p:cNvSpPr txBox="1"/>
+          <p:nvPr/>
+        </p:nvSpPr>
+        <p:spPr>
+          <a:xfrm>
+            <a:off x="10414000" y="108680"/>
+            <a:ext cx="1778000" cy="276999"/>
+          </a:xfrm>
+          <a:prstGeom prst="rect">
+            <a:avLst/>
+          </a:prstGeom>
+          <a:noFill/>
+        </p:spPr>
+        <p:txBody>
+          <a:bodyPr wrap="square" rtlCol="0">
+            <a:spAutoFit/>
+          </a:bodyPr>
+          <a:lstStyle/>
+          <a:p>
+            <a:r>
+              <a:rPr lang="en-AU" sz="1200" dirty="0">
+                <a:solidFill>
+                  <a:schemeClr val="bg1">
+                    <a:lumMod val="85000"/>
+                  </a:schemeClr>
+                </a:solidFill>
+                <a:effectLst/>
+                <a:latin typeface="Cooper Std Black" panose="0208090304030B020404" pitchFamily="18" charset="0"/>
+                <a:ea typeface="Calibri" panose="020F0502020204030204" pitchFamily="34" charset="0"/>
+                <a:cs typeface="Times New Roman" panose="02020603050405020304" pitchFamily="18" charset="0"/>
+              </a:rPr>
+              <a:t>Acme Systems Pty</a:t>
+            </a:r>
+            <a:endParaRPr lang="en-AU" sz="1200" dirty="0">
+              <a:solidFill>
+                <a:schemeClr val="bg1">
+                  <a:lumMod val="85000"/>
+                </a:schemeClr>
+              </a:solidFill>
+              <a:latin typeface="Cooper Std Black" panose="0208090304030B020404" pitchFamily="18" charset="0"/>
+            </a:endParaRPr>
+          </a:p>
+        </p:txBody>
+      </p:sp>
+      <p:sp>
+        <p:nvSpPr>
+          <p:cNvPr id="6" name="TextBox 5">
+            <a:extLst>
+              <a:ext uri="{FF2B5EF4-FFF2-40B4-BE49-F238E27FC236}">
+                <a16:creationId xmlns:a16="http://schemas.microsoft.com/office/drawing/2014/main" id="{A34A3DC7-A828-46C4-8EBE-E2345083BF04}"/>
+              </a:ext>
+            </a:extLst>
+          </p:cNvPr>
+          <p:cNvSpPr txBox="1"/>
+          <p:nvPr/>
+        </p:nvSpPr>
+        <p:spPr>
+          <a:xfrm>
+            <a:off x="3272790" y="46852"/>
+            <a:ext cx="5646420" cy="923330"/>
+          </a:xfrm>
+          <a:prstGeom prst="rect">
+            <a:avLst/>
+          </a:prstGeom>
+          <a:noFill/>
+        </p:spPr>
+        <p:txBody>
+          <a:bodyPr wrap="square" rtlCol="0">
+            <a:spAutoFit/>
+          </a:bodyPr>
+          <a:lstStyle/>
+          <a:p>
+            <a:pPr algn="ctr"/>
+            <a:r>
+              <a:rPr lang="en-AU" sz="5400" b="1" dirty="0">
+                <a:solidFill>
+                  <a:schemeClr val="bg1"/>
+                </a:solidFill>
+                <a:latin typeface="Corbel" panose="020B0503020204020204" pitchFamily="34" charset="0"/>
+              </a:rPr>
+              <a:t>MESSAGES</a:t>
+            </a:r>
+          </a:p>
+        </p:txBody>
+      </p:sp>
+    </p:spTree>
+    <p:extLst>
+      <p:ext uri="{BB962C8B-B14F-4D97-AF65-F5344CB8AC3E}">
+        <p14:creationId xmlns:p14="http://schemas.microsoft.com/office/powerpoint/2010/main" val="2278022674"/>
+      </p:ext>
+    </p:extLst>
+  </p:cSld>
+  <p:clrMapOvr>
+    <a:masterClrMapping/>
+  </p:clrMapOvr>
+</p:sld>
+</file>
+
+<file path=ppt/slides/slide6.xml><?xml version="1.0" encoding="utf-8"?>
+<p:sld xmlns:a="http://schemas.openxmlformats.org/drawingml/2006/main" xmlns:r="http://schemas.openxmlformats.org/officeDocument/2006/relationships" xmlns:p="http://schemas.openxmlformats.org/presentationml/2006/main">
+  <p:cSld>
+    <p:bg>
+      <p:bgPr>
+        <a:blipFill dpi="0" rotWithShape="1">
+          <a:blip r:embed="rId2">
+            <a:lum/>
+          </a:blip>
+          <a:srcRect/>
+          <a:stretch>
+            <a:fillRect/>
+          </a:stretch>
+        </a:blipFill>
+        <a:effectLst/>
+      </p:bgPr>
+    </p:bg>
+    <p:spTree>
+      <p:nvGrpSpPr>
+        <p:cNvPr id="1" name=""/>
+        <p:cNvGrpSpPr/>
+        <p:nvPr/>
+      </p:nvGrpSpPr>
+      <p:grpSpPr>
+        <a:xfrm>
+          <a:off x="0" y="0"/>
+          <a:ext cx="0" cy="0"/>
+          <a:chOff x="0" y="0"/>
+          <a:chExt cx="0" cy="0"/>
+        </a:xfrm>
+      </p:grpSpPr>
+      <p:pic>
+        <p:nvPicPr>
+          <p:cNvPr id="4" name="Picture 3">
+            <a:extLst>
+              <a:ext uri="{FF2B5EF4-FFF2-40B4-BE49-F238E27FC236}">
+                <a16:creationId xmlns:a16="http://schemas.microsoft.com/office/drawing/2014/main" id="{4B3E9E0F-9FE3-4CFC-A2DD-77E46C8808C5}"/>
+              </a:ext>
+            </a:extLst>
+          </p:cNvPr>
+          <p:cNvPicPr>
+            <a:picLocks noChangeAspect="1"/>
+          </p:cNvPicPr>
+          <p:nvPr/>
+        </p:nvPicPr>
+        <p:blipFill>
+          <a:blip r:embed="rId3">
+            <a:extLst>
+              <a:ext uri="{28A0092B-C50C-407E-A947-70E740481C1C}">
+                <a14:useLocalDpi xmlns:a14="http://schemas.microsoft.com/office/drawing/2010/main" val="0"/>
+              </a:ext>
+            </a:extLst>
+          </a:blip>
+          <a:stretch>
+            <a:fillRect/>
+          </a:stretch>
+        </p:blipFill>
+        <p:spPr>
+          <a:xfrm>
+            <a:off x="160629" y="108680"/>
+            <a:ext cx="450000" cy="450000"/>
+          </a:xfrm>
+          <a:prstGeom prst="rect">
+            <a:avLst/>
+          </a:prstGeom>
+        </p:spPr>
+      </p:pic>
+      <p:sp>
+        <p:nvSpPr>
+          <p:cNvPr id="5" name="TextBox 4">
+            <a:extLst>
+              <a:ext uri="{FF2B5EF4-FFF2-40B4-BE49-F238E27FC236}">
+                <a16:creationId xmlns:a16="http://schemas.microsoft.com/office/drawing/2014/main" id="{47089C31-9C62-4796-8244-F36280269933}"/>
+              </a:ext>
+            </a:extLst>
+          </p:cNvPr>
+          <p:cNvSpPr txBox="1"/>
+          <p:nvPr/>
+        </p:nvSpPr>
+        <p:spPr>
+          <a:xfrm>
+            <a:off x="10414000" y="108680"/>
+            <a:ext cx="1778000" cy="276999"/>
+          </a:xfrm>
+          <a:prstGeom prst="rect">
+            <a:avLst/>
+          </a:prstGeom>
+          <a:noFill/>
+        </p:spPr>
+        <p:txBody>
+          <a:bodyPr wrap="square" rtlCol="0">
+            <a:spAutoFit/>
+          </a:bodyPr>
+          <a:lstStyle/>
+          <a:p>
+            <a:r>
+              <a:rPr lang="en-AU" sz="1200" dirty="0">
+                <a:solidFill>
+                  <a:schemeClr val="bg1">
+                    <a:lumMod val="85000"/>
+                  </a:schemeClr>
+                </a:solidFill>
+                <a:effectLst/>
+                <a:latin typeface="Cooper Std Black" panose="0208090304030B020404" pitchFamily="18" charset="0"/>
+                <a:ea typeface="Calibri" panose="020F0502020204030204" pitchFamily="34" charset="0"/>
+                <a:cs typeface="Times New Roman" panose="02020603050405020304" pitchFamily="18" charset="0"/>
+              </a:rPr>
+              <a:t>Acme Systems Pty</a:t>
+            </a:r>
+            <a:endParaRPr lang="en-AU" sz="1200" dirty="0">
+              <a:solidFill>
+                <a:schemeClr val="bg1">
+                  <a:lumMod val="85000"/>
+                </a:schemeClr>
+              </a:solidFill>
+              <a:latin typeface="Cooper Std Black" panose="0208090304030B020404" pitchFamily="18" charset="0"/>
+            </a:endParaRPr>
+          </a:p>
+        </p:txBody>
+      </p:sp>
+      <p:sp>
+        <p:nvSpPr>
+          <p:cNvPr id="6" name="TextBox 5">
+            <a:extLst>
+              <a:ext uri="{FF2B5EF4-FFF2-40B4-BE49-F238E27FC236}">
+                <a16:creationId xmlns:a16="http://schemas.microsoft.com/office/drawing/2014/main" id="{2D8E62B7-E4B6-4584-BEEA-21C3FEB36D5F}"/>
+              </a:ext>
+            </a:extLst>
+          </p:cNvPr>
+          <p:cNvSpPr txBox="1"/>
+          <p:nvPr/>
+        </p:nvSpPr>
+        <p:spPr>
+          <a:xfrm>
+            <a:off x="3272790" y="2611133"/>
+            <a:ext cx="5646420" cy="1635735"/>
+          </a:xfrm>
+          <a:prstGeom prst="rect">
+            <a:avLst/>
+          </a:prstGeom>
+          <a:noFill/>
+        </p:spPr>
+        <p:txBody>
+          <a:bodyPr wrap="square" rtlCol="0">
+            <a:spAutoFit/>
+          </a:bodyPr>
+          <a:lstStyle/>
+          <a:p>
+            <a:pPr algn="ctr"/>
+            <a:r>
+              <a:rPr lang="en-AU" sz="5400" b="1" dirty="0">
+                <a:solidFill>
+                  <a:schemeClr val="bg1"/>
+                </a:solidFill>
+                <a:latin typeface="Corbel" panose="020B0503020204020204" pitchFamily="34" charset="0"/>
+              </a:rPr>
+              <a:t>QUESTIONS</a:t>
+            </a:r>
+          </a:p>
+        </p:txBody>
+      </p:sp>
+    </p:spTree>
+    <p:extLst>
+      <p:ext uri="{BB962C8B-B14F-4D97-AF65-F5344CB8AC3E}">
+        <p14:creationId xmlns:p14="http://schemas.microsoft.com/office/powerpoint/2010/main" val="2113250297"/>
       </p:ext>
     </p:extLst>
   </p:cSld>
